--- a/5_term/МППиУ/SOFT_FX_PRES_2.pptx
+++ b/5_term/МППиУ/SOFT_FX_PRES_2.pptx
@@ -9,9 +9,11 @@
     <p:sldId id="257" r:id="rId3"/>
     <p:sldId id="261" r:id="rId4"/>
     <p:sldId id="262" r:id="rId5"/>
-    <p:sldId id="264" r:id="rId6"/>
+    <p:sldId id="266" r:id="rId6"/>
     <p:sldId id="263" r:id="rId7"/>
-    <p:sldId id="260" r:id="rId8"/>
+    <p:sldId id="264" r:id="rId8"/>
+    <p:sldId id="260" r:id="rId9"/>
+    <p:sldId id="265" r:id="rId10"/>
   </p:sldIdLst>
   <p:sldSz cx="12192000" cy="6858000"/>
   <p:notesSz cx="6858000" cy="9144000"/>
@@ -6081,7 +6083,7 @@
 </file>
 
 <file path=ppt/slides/slide1.xml><?xml version="1.0" encoding="utf-8"?>
-<p:sld xmlns:a="http://schemas.openxmlformats.org/drawingml/2006/main" xmlns:r="http://schemas.openxmlformats.org/officeDocument/2006/relationships" xmlns:p="http://schemas.openxmlformats.org/presentationml/2006/main">
+<p:sld xmlns:a="http://schemas.openxmlformats.org/drawingml/2006/main" xmlns:r="http://schemas.openxmlformats.org/officeDocument/2006/relationships" xmlns:p="http://schemas.openxmlformats.org/presentationml/2006/main" showMasterSp="0">
   <p:cSld>
     <p:spTree>
       <p:nvGrpSpPr>
@@ -6109,7 +6111,7 @@
         </p:nvSpPr>
         <p:spPr bwMode="auto">
           <a:xfrm>
-            <a:off x="737507" y="236538"/>
+            <a:off x="1354591" y="236538"/>
             <a:ext cx="9482817" cy="1594595"/>
           </a:xfrm>
           <a:prstGeom prst="rect">
@@ -6135,6 +6137,7 @@
           </a:bodyPr>
           <a:lstStyle/>
           <a:p>
+            <a:pPr algn="ctr"/>
             <a:r>
               <a:rPr lang="ru-RU" sz="3000" b="1" dirty="0"/>
               <a:t>ИССЛЕДОВАНИЕ КОНКУРЕНТОВ И РАЗРАБОТКА СТРАТЕГИИ ПОЗИЦИОНИРОВАНИЯ КОМПАНИИ </a:t>
@@ -6225,7 +6228,7 @@
         </p:blipFill>
         <p:spPr bwMode="auto">
           <a:xfrm>
-            <a:off x="-219748" y="1687295"/>
+            <a:off x="1814534" y="1562100"/>
             <a:ext cx="8562930" cy="5295900"/>
           </a:xfrm>
           <a:prstGeom prst="rect">
@@ -6259,6 +6262,14 @@
 <file path=ppt/slides/slide2.xml><?xml version="1.0" encoding="utf-8"?>
 <p:sld xmlns:a="http://schemas.openxmlformats.org/drawingml/2006/main" xmlns:r="http://schemas.openxmlformats.org/officeDocument/2006/relationships" xmlns:p="http://schemas.openxmlformats.org/presentationml/2006/main">
   <p:cSld>
+    <p:bg>
+      <p:bgPr>
+        <a:solidFill>
+          <a:schemeClr val="tx1"/>
+        </a:solidFill>
+        <a:effectLst/>
+      </p:bgPr>
+    </p:bg>
     <p:spTree>
       <p:nvGrpSpPr>
         <p:cNvPr id="1" name=""/>
@@ -6295,6 +6306,9 @@
           <a:p>
             <a:r>
               <a:rPr lang="en-US" b="1" dirty="0">
+                <a:solidFill>
+                  <a:schemeClr val="bg2"/>
+                </a:solidFill>
                 <a:latin typeface="Arial Black" panose="020B0A04020102020204" pitchFamily="34" charset="0"/>
               </a:rPr>
               <a:t>SOFT-FX</a:t>
@@ -6333,15 +6347,27 @@
               <a:buNone/>
             </a:pPr>
             <a:r>
-              <a:rPr lang="ru-RU" sz="1800" b="1" dirty="0"/>
+              <a:rPr lang="ru-RU" sz="1800" b="1" dirty="0">
+                <a:solidFill>
+                  <a:schemeClr val="bg1"/>
+                </a:solidFill>
+              </a:rPr>
               <a:t>Представляет решения для торговли </a:t>
             </a:r>
             <a:r>
-              <a:rPr lang="en-US" sz="1800" b="1" dirty="0"/>
+              <a:rPr lang="en-US" sz="1800" b="1" dirty="0">
+                <a:solidFill>
+                  <a:schemeClr val="bg1"/>
+                </a:solidFill>
+              </a:rPr>
               <a:t>Forex</a:t>
             </a:r>
             <a:r>
-              <a:rPr lang="ru-RU" sz="1800" b="1" dirty="0"/>
+              <a:rPr lang="ru-RU" sz="1800" b="1" dirty="0">
+                <a:solidFill>
+                  <a:schemeClr val="bg1"/>
+                </a:solidFill>
+              </a:rPr>
               <a:t> и цифровыми активами</a:t>
             </a:r>
           </a:p>
@@ -6349,14 +6375,22 @@
             <a:pPr marL="0" indent="0">
               <a:buNone/>
             </a:pPr>
-            <a:endParaRPr lang="ru-RU" sz="1800" b="1" dirty="0"/>
+            <a:endParaRPr lang="ru-RU" sz="1800" b="1" dirty="0">
+              <a:solidFill>
+                <a:schemeClr val="bg1"/>
+              </a:solidFill>
+            </a:endParaRPr>
           </a:p>
           <a:p>
             <a:pPr marL="0" indent="0">
               <a:buNone/>
             </a:pPr>
             <a:r>
-              <a:rPr lang="ru-RU" sz="1800" dirty="0"/>
+              <a:rPr lang="ru-RU" sz="1800" dirty="0">
+                <a:solidFill>
+                  <a:schemeClr val="bg1"/>
+                </a:solidFill>
+              </a:rPr>
               <a:t>Soft-FX не единственная компания на рынке предлагающая такие решения и услуги. </a:t>
             </a:r>
           </a:p>
@@ -6365,15 +6399,27 @@
               <a:buNone/>
             </a:pPr>
             <a:r>
-              <a:rPr lang="ru-RU" sz="1800" dirty="0"/>
+              <a:rPr lang="ru-RU" sz="1800" dirty="0">
+                <a:solidFill>
+                  <a:schemeClr val="bg1"/>
+                </a:solidFill>
+              </a:rPr>
               <a:t>Мир </a:t>
             </a:r>
             <a:r>
-              <a:rPr lang="en-US" sz="1800" dirty="0"/>
+              <a:rPr lang="en-US" sz="1800" dirty="0">
+                <a:solidFill>
+                  <a:schemeClr val="bg1"/>
+                </a:solidFill>
+              </a:rPr>
               <a:t>IT </a:t>
             </a:r>
             <a:r>
-              <a:rPr lang="ru-RU" sz="1800" dirty="0"/>
+              <a:rPr lang="ru-RU" sz="1800" dirty="0">
+                <a:solidFill>
+                  <a:schemeClr val="bg1"/>
+                </a:solidFill>
+              </a:rPr>
               <a:t>технологий сильно развивается, что-то меняется, что-то остается прежним. Приходят новые игроки</a:t>
             </a:r>
           </a:p>
@@ -6385,19 +6431,31 @@
               <a:buFont typeface="Arial" panose="020B0604020202020204" pitchFamily="34" charset="0"/>
               <a:buChar char="•"/>
             </a:pPr>
-            <a:endParaRPr lang="ru-RU" sz="1800" dirty="0"/>
+            <a:endParaRPr lang="ru-RU" sz="1800" dirty="0">
+              <a:solidFill>
+                <a:schemeClr val="bg1"/>
+              </a:solidFill>
+            </a:endParaRPr>
           </a:p>
           <a:p>
             <a:pPr marL="0" indent="0">
               <a:buNone/>
             </a:pPr>
-            <a:endParaRPr lang="ru-RU" sz="1800" dirty="0"/>
+            <a:endParaRPr lang="ru-RU" sz="1800" dirty="0">
+              <a:solidFill>
+                <a:schemeClr val="bg1"/>
+              </a:solidFill>
+            </a:endParaRPr>
           </a:p>
           <a:p>
             <a:pPr marL="0" indent="0">
               <a:buNone/>
             </a:pPr>
-            <a:endParaRPr lang="en-US" sz="1800" dirty="0"/>
+            <a:endParaRPr lang="en-US" sz="1800" dirty="0">
+              <a:solidFill>
+                <a:schemeClr val="bg1"/>
+              </a:solidFill>
+            </a:endParaRPr>
           </a:p>
         </p:txBody>
       </p:sp>
@@ -6464,6 +6522,14 @@
 <file path=ppt/slides/slide3.xml><?xml version="1.0" encoding="utf-8"?>
 <p:sld xmlns:a="http://schemas.openxmlformats.org/drawingml/2006/main" xmlns:r="http://schemas.openxmlformats.org/officeDocument/2006/relationships" xmlns:p="http://schemas.openxmlformats.org/presentationml/2006/main">
   <p:cSld>
+    <p:bg>
+      <p:bgPr>
+        <a:solidFill>
+          <a:schemeClr val="bg1"/>
+        </a:solidFill>
+        <a:effectLst/>
+      </p:bgPr>
+    </p:bg>
     <p:spTree>
       <p:nvGrpSpPr>
         <p:cNvPr id="1" name=""/>
@@ -6506,18 +6572,11 @@
           <a:p>
             <a:r>
               <a:rPr lang="ru-RU" b="1" dirty="0">
-                <a:solidFill>
-                  <a:schemeClr val="accent1"/>
-                </a:solidFill>
                 <a:latin typeface="Arial Black" panose="020B0A04020102020204" pitchFamily="34" charset="0"/>
               </a:rPr>
               <a:t>КОНКУРЕНТЫ</a:t>
             </a:r>
-            <a:endParaRPr lang="ru-RU" b="1" dirty="0">
-              <a:solidFill>
-                <a:schemeClr val="accent1"/>
-              </a:solidFill>
-            </a:endParaRPr>
+            <a:endParaRPr lang="ru-RU" b="1" dirty="0"/>
           </a:p>
         </p:txBody>
       </p:sp>
@@ -6993,7 +7052,7 @@
           <p:nvPr>
             <p:extLst>
               <p:ext uri="{D42A27DB-BD31-4B8C-83A1-F6EECF244321}">
-                <p14:modId xmlns:p14="http://schemas.microsoft.com/office/powerpoint/2010/main" val="1264290349"/>
+                <p14:modId xmlns:p14="http://schemas.microsoft.com/office/powerpoint/2010/main" val="204373439"/>
               </p:ext>
             </p:extLst>
           </p:nvPr>
@@ -7241,7 +7300,7 @@
                     <a:lstStyle/>
                     <a:p>
                       <a:r>
-                        <a:rPr lang="ru-RU" dirty="0">
+                        <a:rPr lang="ru-RU" sz="1800" dirty="0">
                           <a:ln>
                             <a:noFill/>
                           </a:ln>
@@ -7254,7 +7313,7 @@
                         </a:rPr>
                         <a:t>Разработка ПО для бизнеса</a:t>
                       </a:r>
-                      <a:endParaRPr lang="ru-BY" dirty="0">
+                      <a:endParaRPr lang="ru-BY" sz="1800" dirty="0">
                         <a:ln>
                           <a:noFill/>
                         </a:ln>
@@ -7457,7 +7516,7 @@
                     <a:bodyPr/>
                     <a:lstStyle/>
                     <a:p>
-                      <a:endParaRPr lang="ru-BY">
+                      <a:endParaRPr lang="ru-BY" dirty="0">
                         <a:ln>
                           <a:noFill/>
                         </a:ln>
@@ -8939,60 +8998,1286 @@
           <a:chExt cx="0" cy="0"/>
         </a:xfrm>
       </p:grpSpPr>
-      <p:sp>
-        <p:nvSpPr>
-          <p:cNvPr id="2" name="Title 1">
+      <p:graphicFrame>
+        <p:nvGraphicFramePr>
+          <p:cNvPr id="4" name="Table 3">
             <a:extLst>
               <a:ext uri="{FF2B5EF4-FFF2-40B4-BE49-F238E27FC236}">
-                <a16:creationId xmlns:a16="http://schemas.microsoft.com/office/drawing/2014/main" id="{E64B278F-E3BC-417E-8F4F-F654DDB45155}"/>
+                <a16:creationId xmlns:a16="http://schemas.microsoft.com/office/drawing/2014/main" id="{C94A6195-D191-42CF-B2E1-BE8196FC0B20}"/>
               </a:ext>
             </a:extLst>
           </p:cNvPr>
-          <p:cNvSpPr>
-            <a:spLocks noGrp="1"/>
-          </p:cNvSpPr>
-          <p:nvPr>
-            <p:ph type="title"/>
-          </p:nvPr>
-        </p:nvSpPr>
-        <p:spPr/>
-        <p:txBody>
-          <a:bodyPr/>
-          <a:lstStyle/>
-          <a:p>
-            <a:endParaRPr lang="ru-BY"/>
-          </a:p>
-        </p:txBody>
-      </p:sp>
-      <p:sp>
-        <p:nvSpPr>
-          <p:cNvPr id="3" name="Content Placeholder 2">
-            <a:extLst>
-              <a:ext uri="{FF2B5EF4-FFF2-40B4-BE49-F238E27FC236}">
-                <a16:creationId xmlns:a16="http://schemas.microsoft.com/office/drawing/2014/main" id="{8F8F505D-7A0B-4B79-9BFB-A64A7F405236}"/>
-              </a:ext>
-            </a:extLst>
-          </p:cNvPr>
-          <p:cNvSpPr>
-            <a:spLocks noGrp="1"/>
-          </p:cNvSpPr>
-          <p:nvPr>
-            <p:ph idx="1"/>
-          </p:nvPr>
-        </p:nvSpPr>
-        <p:spPr/>
-        <p:txBody>
-          <a:bodyPr/>
-          <a:lstStyle/>
-          <a:p>
-            <a:endParaRPr lang="ru-BY"/>
-          </a:p>
-        </p:txBody>
-      </p:sp>
+          <p:cNvGraphicFramePr>
+            <a:graphicFrameLocks noGrp="1"/>
+          </p:cNvGraphicFramePr>
+          <p:nvPr>
+            <p:extLst>
+              <p:ext uri="{D42A27DB-BD31-4B8C-83A1-F6EECF244321}">
+                <p14:modId xmlns:p14="http://schemas.microsoft.com/office/powerpoint/2010/main" val="1525778977"/>
+              </p:ext>
+            </p:extLst>
+          </p:nvPr>
+        </p:nvGraphicFramePr>
+        <p:xfrm>
+          <a:off x="564775" y="1425109"/>
+          <a:ext cx="10569390" cy="4618702"/>
+        </p:xfrm>
+        <a:graphic>
+          <a:graphicData uri="http://schemas.openxmlformats.org/drawingml/2006/table">
+            <a:tbl>
+              <a:tblPr firstRow="1" bandRow="1">
+                <a:effectLst>
+                  <a:reflection stA="45000" endPos="0" dist="50800" dir="5400000" sy="-100000" algn="bl" rotWithShape="0"/>
+                </a:effectLst>
+                <a:tableStyleId>{5C22544A-7EE6-4342-B048-85BDC9FD1C3A}</a:tableStyleId>
+              </a:tblPr>
+              <a:tblGrid>
+                <a:gridCol w="2113878">
+                  <a:extLst>
+                    <a:ext uri="{9D8B030D-6E8A-4147-A177-3AD203B41FA5}">
+                      <a16:colId xmlns:a16="http://schemas.microsoft.com/office/drawing/2014/main" val="2947808235"/>
+                    </a:ext>
+                  </a:extLst>
+                </a:gridCol>
+                <a:gridCol w="2113878">
+                  <a:extLst>
+                    <a:ext uri="{9D8B030D-6E8A-4147-A177-3AD203B41FA5}">
+                      <a16:colId xmlns:a16="http://schemas.microsoft.com/office/drawing/2014/main" val="1419908906"/>
+                    </a:ext>
+                  </a:extLst>
+                </a:gridCol>
+                <a:gridCol w="2113878">
+                  <a:extLst>
+                    <a:ext uri="{9D8B030D-6E8A-4147-A177-3AD203B41FA5}">
+                      <a16:colId xmlns:a16="http://schemas.microsoft.com/office/drawing/2014/main" val="1548122356"/>
+                    </a:ext>
+                  </a:extLst>
+                </a:gridCol>
+                <a:gridCol w="2113878">
+                  <a:extLst>
+                    <a:ext uri="{9D8B030D-6E8A-4147-A177-3AD203B41FA5}">
+                      <a16:colId xmlns:a16="http://schemas.microsoft.com/office/drawing/2014/main" val="841370718"/>
+                    </a:ext>
+                  </a:extLst>
+                </a:gridCol>
+                <a:gridCol w="2113878">
+                  <a:extLst>
+                    <a:ext uri="{9D8B030D-6E8A-4147-A177-3AD203B41FA5}">
+                      <a16:colId xmlns:a16="http://schemas.microsoft.com/office/drawing/2014/main" val="1236386526"/>
+                    </a:ext>
+                  </a:extLst>
+                </a:gridCol>
+              </a:tblGrid>
+              <a:tr h="492076">
+                <a:tc>
+                  <a:txBody>
+                    <a:bodyPr/>
+                    <a:lstStyle/>
+                    <a:p>
+                      <a:endParaRPr lang="ru-BY" dirty="0">
+                        <a:ln>
+                          <a:noFill/>
+                        </a:ln>
+                        <a:solidFill>
+                          <a:schemeClr val="tx1">
+                            <a:lumMod val="65000"/>
+                            <a:lumOff val="35000"/>
+                          </a:schemeClr>
+                        </a:solidFill>
+                      </a:endParaRPr>
+                    </a:p>
+                  </a:txBody>
+                  <a:tcPr>
+                    <a:solidFill>
+                      <a:schemeClr val="tx1">
+                        <a:alpha val="8000"/>
+                      </a:schemeClr>
+                    </a:solidFill>
+                  </a:tcPr>
+                </a:tc>
+                <a:tc>
+                  <a:txBody>
+                    <a:bodyPr/>
+                    <a:lstStyle/>
+                    <a:p>
+                      <a:pPr algn="ctr"/>
+                      <a:r>
+                        <a:rPr lang="en-US" sz="2000" dirty="0">
+                          <a:ln>
+                            <a:noFill/>
+                          </a:ln>
+                          <a:solidFill>
+                            <a:schemeClr val="tx1">
+                              <a:lumMod val="65000"/>
+                              <a:lumOff val="35000"/>
+                            </a:schemeClr>
+                          </a:solidFill>
+                        </a:rPr>
+                        <a:t>IBA Group</a:t>
+                      </a:r>
+                    </a:p>
+                  </a:txBody>
+                  <a:tcPr>
+                    <a:solidFill>
+                      <a:schemeClr val="tx1">
+                        <a:alpha val="8000"/>
+                      </a:schemeClr>
+                    </a:solidFill>
+                  </a:tcPr>
+                </a:tc>
+                <a:tc>
+                  <a:txBody>
+                    <a:bodyPr/>
+                    <a:lstStyle/>
+                    <a:p>
+                      <a:pPr algn="ctr"/>
+                      <a:r>
+                        <a:rPr lang="en-US" sz="2000" dirty="0">
+                          <a:ln>
+                            <a:noFill/>
+                          </a:ln>
+                          <a:solidFill>
+                            <a:schemeClr val="tx1">
+                              <a:lumMod val="65000"/>
+                              <a:lumOff val="35000"/>
+                            </a:schemeClr>
+                          </a:solidFill>
+                        </a:rPr>
+                        <a:t>Epam</a:t>
+                      </a:r>
+                      <a:endParaRPr lang="ru-BY" sz="2000" dirty="0">
+                        <a:ln>
+                          <a:noFill/>
+                        </a:ln>
+                        <a:solidFill>
+                          <a:schemeClr val="tx1">
+                            <a:lumMod val="65000"/>
+                            <a:lumOff val="35000"/>
+                          </a:schemeClr>
+                        </a:solidFill>
+                      </a:endParaRPr>
+                    </a:p>
+                  </a:txBody>
+                  <a:tcPr>
+                    <a:solidFill>
+                      <a:schemeClr val="tx1">
+                        <a:alpha val="8000"/>
+                      </a:schemeClr>
+                    </a:solidFill>
+                  </a:tcPr>
+                </a:tc>
+                <a:tc>
+                  <a:txBody>
+                    <a:bodyPr/>
+                    <a:lstStyle/>
+                    <a:p>
+                      <a:pPr algn="ctr"/>
+                      <a:r>
+                        <a:rPr lang="en-US" sz="2000" dirty="0" err="1">
+                          <a:ln>
+                            <a:noFill/>
+                          </a:ln>
+                          <a:solidFill>
+                            <a:schemeClr val="tx1">
+                              <a:lumMod val="65000"/>
+                              <a:lumOff val="35000"/>
+                            </a:schemeClr>
+                          </a:solidFill>
+                        </a:rPr>
+                        <a:t>ISsoft</a:t>
+                      </a:r>
+                      <a:endParaRPr lang="ru-BY" sz="2000" dirty="0">
+                        <a:ln>
+                          <a:noFill/>
+                        </a:ln>
+                        <a:solidFill>
+                          <a:schemeClr val="tx1">
+                            <a:lumMod val="65000"/>
+                            <a:lumOff val="35000"/>
+                          </a:schemeClr>
+                        </a:solidFill>
+                      </a:endParaRPr>
+                    </a:p>
+                  </a:txBody>
+                  <a:tcPr>
+                    <a:solidFill>
+                      <a:schemeClr val="tx1">
+                        <a:alpha val="8000"/>
+                      </a:schemeClr>
+                    </a:solidFill>
+                  </a:tcPr>
+                </a:tc>
+                <a:tc>
+                  <a:txBody>
+                    <a:bodyPr/>
+                    <a:lstStyle/>
+                    <a:p>
+                      <a:pPr algn="ctr"/>
+                      <a:r>
+                        <a:rPr lang="en-US" sz="2000" dirty="0">
+                          <a:ln>
+                            <a:noFill/>
+                          </a:ln>
+                          <a:solidFill>
+                            <a:schemeClr val="tx1">
+                              <a:lumMod val="65000"/>
+                              <a:lumOff val="35000"/>
+                            </a:schemeClr>
+                          </a:solidFill>
+                        </a:rPr>
+                        <a:t>SOFT-FX</a:t>
+                      </a:r>
+                      <a:endParaRPr lang="ru-BY" sz="2000" dirty="0">
+                        <a:ln>
+                          <a:noFill/>
+                        </a:ln>
+                        <a:solidFill>
+                          <a:schemeClr val="tx1">
+                            <a:lumMod val="65000"/>
+                            <a:lumOff val="35000"/>
+                          </a:schemeClr>
+                        </a:solidFill>
+                      </a:endParaRPr>
+                    </a:p>
+                  </a:txBody>
+                  <a:tcPr>
+                    <a:solidFill>
+                      <a:schemeClr val="tx1">
+                        <a:alpha val="8000"/>
+                      </a:schemeClr>
+                    </a:solidFill>
+                  </a:tcPr>
+                </a:tc>
+                <a:extLst>
+                  <a:ext uri="{0D108BD9-81ED-4DB2-BD59-A6C34878D82A}">
+                    <a16:rowId xmlns:a16="http://schemas.microsoft.com/office/drawing/2014/main" val="1633101068"/>
+                  </a:ext>
+                </a:extLst>
+              </a:tr>
+              <a:tr h="739358">
+                <a:tc>
+                  <a:txBody>
+                    <a:bodyPr/>
+                    <a:lstStyle/>
+                    <a:p>
+                      <a:r>
+                        <a:rPr lang="ru-RU" sz="1800" dirty="0">
+                          <a:ln>
+                            <a:noFill/>
+                          </a:ln>
+                          <a:solidFill>
+                            <a:schemeClr val="tx1">
+                              <a:lumMod val="65000"/>
+                              <a:lumOff val="35000"/>
+                            </a:schemeClr>
+                          </a:solidFill>
+                        </a:rPr>
+                        <a:t>Позиционирование продукта</a:t>
+                      </a:r>
+                      <a:endParaRPr lang="ru-BY" sz="1800" dirty="0">
+                        <a:ln>
+                          <a:noFill/>
+                        </a:ln>
+                        <a:solidFill>
+                          <a:schemeClr val="tx1">
+                            <a:lumMod val="65000"/>
+                            <a:lumOff val="35000"/>
+                          </a:schemeClr>
+                        </a:solidFill>
+                      </a:endParaRPr>
+                    </a:p>
+                  </a:txBody>
+                  <a:tcPr>
+                    <a:solidFill>
+                      <a:schemeClr val="tx1">
+                        <a:alpha val="8000"/>
+                      </a:schemeClr>
+                    </a:solidFill>
+                  </a:tcPr>
+                </a:tc>
+                <a:tc>
+                  <a:txBody>
+                    <a:bodyPr/>
+                    <a:lstStyle/>
+                    <a:p>
+                      <a:r>
+                        <a:rPr lang="ru-RU" sz="1600" dirty="0">
+                          <a:ln>
+                            <a:noFill/>
+                          </a:ln>
+                          <a:solidFill>
+                            <a:schemeClr val="tx1">
+                              <a:lumMod val="65000"/>
+                              <a:lumOff val="35000"/>
+                            </a:schemeClr>
+                          </a:solidFill>
+                        </a:rPr>
+                        <a:t>Решения для малого и среднего бизнеса</a:t>
+                      </a:r>
+                      <a:r>
+                        <a:rPr lang="en-US" sz="1600" dirty="0">
+                          <a:ln>
+                            <a:noFill/>
+                          </a:ln>
+                          <a:solidFill>
+                            <a:schemeClr val="tx1">
+                              <a:lumMod val="65000"/>
+                              <a:lumOff val="35000"/>
+                            </a:schemeClr>
+                          </a:solidFill>
+                        </a:rPr>
+                        <a:t>, </a:t>
+                      </a:r>
+                      <a:r>
+                        <a:rPr lang="ru-RU" sz="1600" dirty="0">
+                          <a:ln>
+                            <a:noFill/>
+                          </a:ln>
+                          <a:solidFill>
+                            <a:schemeClr val="tx1">
+                              <a:lumMod val="65000"/>
+                              <a:lumOff val="35000"/>
+                            </a:schemeClr>
+                          </a:solidFill>
+                        </a:rPr>
+                        <a:t>аутсорс</a:t>
+                      </a:r>
+                      <a:endParaRPr lang="ru-BY" sz="1600" dirty="0">
+                        <a:ln>
+                          <a:noFill/>
+                        </a:ln>
+                        <a:solidFill>
+                          <a:schemeClr val="tx1">
+                            <a:lumMod val="65000"/>
+                            <a:lumOff val="35000"/>
+                          </a:schemeClr>
+                        </a:solidFill>
+                      </a:endParaRPr>
+                    </a:p>
+                  </a:txBody>
+                  <a:tcPr>
+                    <a:solidFill>
+                      <a:schemeClr val="tx1">
+                        <a:alpha val="8000"/>
+                      </a:schemeClr>
+                    </a:solidFill>
+                  </a:tcPr>
+                </a:tc>
+                <a:tc>
+                  <a:txBody>
+                    <a:bodyPr/>
+                    <a:lstStyle/>
+                    <a:p>
+                      <a:r>
+                        <a:rPr lang="ru-RU" sz="1600" dirty="0">
+                          <a:ln>
+                            <a:noFill/>
+                          </a:ln>
+                          <a:solidFill>
+                            <a:schemeClr val="tx1">
+                              <a:lumMod val="65000"/>
+                              <a:lumOff val="35000"/>
+                            </a:schemeClr>
+                          </a:solidFill>
+                        </a:rPr>
+                        <a:t>Инновационные решения в разных областях</a:t>
+                      </a:r>
+                      <a:r>
+                        <a:rPr lang="en-US" sz="1600" dirty="0">
+                          <a:ln>
+                            <a:noFill/>
+                          </a:ln>
+                          <a:solidFill>
+                            <a:schemeClr val="tx1">
+                              <a:lumMod val="65000"/>
+                              <a:lumOff val="35000"/>
+                            </a:schemeClr>
+                          </a:solidFill>
+                        </a:rPr>
+                        <a:t>, </a:t>
+                      </a:r>
+                      <a:r>
+                        <a:rPr lang="ru-RU" sz="1600" dirty="0">
+                          <a:ln>
+                            <a:noFill/>
+                          </a:ln>
+                          <a:solidFill>
+                            <a:schemeClr val="tx1">
+                              <a:lumMod val="65000"/>
+                              <a:lumOff val="35000"/>
+                            </a:schemeClr>
+                          </a:solidFill>
+                        </a:rPr>
+                        <a:t>аутсорс</a:t>
+                      </a:r>
+                      <a:endParaRPr lang="ru-BY" sz="1600" dirty="0">
+                        <a:ln>
+                          <a:noFill/>
+                        </a:ln>
+                        <a:solidFill>
+                          <a:schemeClr val="tx1">
+                            <a:lumMod val="65000"/>
+                            <a:lumOff val="35000"/>
+                          </a:schemeClr>
+                        </a:solidFill>
+                      </a:endParaRPr>
+                    </a:p>
+                  </a:txBody>
+                  <a:tcPr>
+                    <a:solidFill>
+                      <a:schemeClr val="tx1">
+                        <a:alpha val="8000"/>
+                      </a:schemeClr>
+                    </a:solidFill>
+                  </a:tcPr>
+                </a:tc>
+                <a:tc>
+                  <a:txBody>
+                    <a:bodyPr/>
+                    <a:lstStyle/>
+                    <a:p>
+                      <a:r>
+                        <a:rPr lang="ru-RU" sz="1600" dirty="0">
+                          <a:ln>
+                            <a:noFill/>
+                          </a:ln>
+                          <a:solidFill>
+                            <a:schemeClr val="tx1">
+                              <a:lumMod val="65000"/>
+                              <a:lumOff val="35000"/>
+                            </a:schemeClr>
+                          </a:solidFill>
+                        </a:rPr>
+                        <a:t>Инновационные решения в разных областях</a:t>
+                      </a:r>
+                      <a:r>
+                        <a:rPr lang="en-US" sz="1600" dirty="0">
+                          <a:ln>
+                            <a:noFill/>
+                          </a:ln>
+                          <a:solidFill>
+                            <a:schemeClr val="tx1">
+                              <a:lumMod val="65000"/>
+                              <a:lumOff val="35000"/>
+                            </a:schemeClr>
+                          </a:solidFill>
+                        </a:rPr>
+                        <a:t>, </a:t>
+                      </a:r>
+                      <a:r>
+                        <a:rPr lang="ru-RU" sz="1600" dirty="0">
+                          <a:ln>
+                            <a:noFill/>
+                          </a:ln>
+                          <a:solidFill>
+                            <a:schemeClr val="tx1">
+                              <a:lumMod val="65000"/>
+                              <a:lumOff val="35000"/>
+                            </a:schemeClr>
+                          </a:solidFill>
+                        </a:rPr>
+                        <a:t>аутсорс</a:t>
+                      </a:r>
+                      <a:endParaRPr lang="ru-BY" sz="1600" dirty="0">
+                        <a:ln>
+                          <a:noFill/>
+                        </a:ln>
+                        <a:solidFill>
+                          <a:schemeClr val="tx1">
+                            <a:lumMod val="65000"/>
+                            <a:lumOff val="35000"/>
+                          </a:schemeClr>
+                        </a:solidFill>
+                      </a:endParaRPr>
+                    </a:p>
+                    <a:p>
+                      <a:endParaRPr lang="ru-BY" sz="1600" dirty="0">
+                        <a:ln>
+                          <a:noFill/>
+                        </a:ln>
+                        <a:solidFill>
+                          <a:schemeClr val="tx1">
+                            <a:lumMod val="65000"/>
+                            <a:lumOff val="35000"/>
+                          </a:schemeClr>
+                        </a:solidFill>
+                      </a:endParaRPr>
+                    </a:p>
+                  </a:txBody>
+                  <a:tcPr>
+                    <a:solidFill>
+                      <a:schemeClr val="tx1">
+                        <a:alpha val="8000"/>
+                      </a:schemeClr>
+                    </a:solidFill>
+                  </a:tcPr>
+                </a:tc>
+                <a:tc>
+                  <a:txBody>
+                    <a:bodyPr/>
+                    <a:lstStyle/>
+                    <a:p>
+                      <a:r>
+                        <a:rPr lang="ru-RU" sz="1600" dirty="0">
+                          <a:ln>
+                            <a:noFill/>
+                          </a:ln>
+                          <a:solidFill>
+                            <a:schemeClr val="tx1">
+                              <a:lumMod val="65000"/>
+                              <a:lumOff val="35000"/>
+                            </a:schemeClr>
+                          </a:solidFill>
+                        </a:rPr>
+                        <a:t>Высокомасштабируемые решения для трейдинговых платформ и бирж</a:t>
+                      </a:r>
+                      <a:endParaRPr lang="ru-BY" sz="1600" dirty="0">
+                        <a:ln>
+                          <a:noFill/>
+                        </a:ln>
+                        <a:solidFill>
+                          <a:schemeClr val="tx1">
+                            <a:lumMod val="65000"/>
+                            <a:lumOff val="35000"/>
+                          </a:schemeClr>
+                        </a:solidFill>
+                      </a:endParaRPr>
+                    </a:p>
+                  </a:txBody>
+                  <a:tcPr>
+                    <a:solidFill>
+                      <a:schemeClr val="tx1">
+                        <a:alpha val="8000"/>
+                      </a:schemeClr>
+                    </a:solidFill>
+                  </a:tcPr>
+                </a:tc>
+                <a:extLst>
+                  <a:ext uri="{0D108BD9-81ED-4DB2-BD59-A6C34878D82A}">
+                    <a16:rowId xmlns:a16="http://schemas.microsoft.com/office/drawing/2014/main" val="1342617058"/>
+                  </a:ext>
+                </a:extLst>
+              </a:tr>
+              <a:tr h="1019942">
+                <a:tc>
+                  <a:txBody>
+                    <a:bodyPr/>
+                    <a:lstStyle/>
+                    <a:p>
+                      <a:r>
+                        <a:rPr lang="ru-RU" dirty="0">
+                          <a:ln>
+                            <a:noFill/>
+                          </a:ln>
+                          <a:solidFill>
+                            <a:schemeClr val="tx1">
+                              <a:lumMod val="65000"/>
+                              <a:lumOff val="35000"/>
+                            </a:schemeClr>
+                          </a:solidFill>
+                        </a:rPr>
+                        <a:t>Количество </a:t>
+                      </a:r>
+                    </a:p>
+                    <a:p>
+                      <a:r>
+                        <a:rPr lang="ru-RU" dirty="0">
+                          <a:ln>
+                            <a:noFill/>
+                          </a:ln>
+                          <a:solidFill>
+                            <a:schemeClr val="tx1">
+                              <a:lumMod val="65000"/>
+                              <a:lumOff val="35000"/>
+                            </a:schemeClr>
+                          </a:solidFill>
+                        </a:rPr>
+                        <a:t>завершенных </a:t>
+                      </a:r>
+                    </a:p>
+                    <a:p>
+                      <a:r>
+                        <a:rPr lang="ru-RU" dirty="0">
+                          <a:ln>
+                            <a:noFill/>
+                          </a:ln>
+                          <a:solidFill>
+                            <a:schemeClr val="tx1">
+                              <a:lumMod val="65000"/>
+                              <a:lumOff val="35000"/>
+                            </a:schemeClr>
+                          </a:solidFill>
+                        </a:rPr>
+                        <a:t>проектов</a:t>
+                      </a:r>
+                      <a:endParaRPr lang="ru-BY" dirty="0">
+                        <a:ln>
+                          <a:noFill/>
+                        </a:ln>
+                        <a:solidFill>
+                          <a:schemeClr val="tx1">
+                            <a:lumMod val="65000"/>
+                            <a:lumOff val="35000"/>
+                          </a:schemeClr>
+                        </a:solidFill>
+                      </a:endParaRPr>
+                    </a:p>
+                  </a:txBody>
+                  <a:tcPr>
+                    <a:solidFill>
+                      <a:schemeClr val="tx1">
+                        <a:alpha val="8000"/>
+                      </a:schemeClr>
+                    </a:solidFill>
+                  </a:tcPr>
+                </a:tc>
+                <a:tc>
+                  <a:txBody>
+                    <a:bodyPr/>
+                    <a:lstStyle/>
+                    <a:p>
+                      <a:pPr algn="ctr"/>
+                      <a:r>
+                        <a:rPr lang="ru-BY" sz="1800" b="0" i="0" kern="1200" dirty="0">
+                          <a:solidFill>
+                            <a:schemeClr val="bg1">
+                              <a:lumMod val="50000"/>
+                            </a:schemeClr>
+                          </a:solidFill>
+                          <a:effectLst/>
+                          <a:latin typeface="+mn-lt"/>
+                          <a:ea typeface="+mn-ea"/>
+                          <a:cs typeface="+mn-cs"/>
+                        </a:rPr>
+                        <a:t>2000 </a:t>
+                      </a:r>
+                      <a:r>
+                        <a:rPr lang="ru-RU" b="0" dirty="0">
+                          <a:ln>
+                            <a:noFill/>
+                          </a:ln>
+                          <a:solidFill>
+                            <a:schemeClr val="bg1">
+                              <a:lumMod val="50000"/>
+                            </a:schemeClr>
+                          </a:solidFill>
+                        </a:rPr>
+                        <a:t> </a:t>
+                      </a:r>
+                      <a:endParaRPr lang="ru-BY" b="0" dirty="0">
+                        <a:ln>
+                          <a:noFill/>
+                        </a:ln>
+                        <a:solidFill>
+                          <a:schemeClr val="bg1">
+                            <a:lumMod val="50000"/>
+                          </a:schemeClr>
+                        </a:solidFill>
+                      </a:endParaRPr>
+                    </a:p>
+                  </a:txBody>
+                  <a:tcPr>
+                    <a:solidFill>
+                      <a:schemeClr val="tx1">
+                        <a:alpha val="8000"/>
+                      </a:schemeClr>
+                    </a:solidFill>
+                  </a:tcPr>
+                </a:tc>
+                <a:tc>
+                  <a:txBody>
+                    <a:bodyPr/>
+                    <a:lstStyle/>
+                    <a:p>
+                      <a:pPr algn="ctr"/>
+                      <a:r>
+                        <a:rPr lang="en-US" b="0" dirty="0">
+                          <a:ln>
+                            <a:noFill/>
+                          </a:ln>
+                          <a:solidFill>
+                            <a:schemeClr val="bg1">
+                              <a:lumMod val="50000"/>
+                            </a:schemeClr>
+                          </a:solidFill>
+                        </a:rPr>
+                        <a:t>-</a:t>
+                      </a:r>
+                      <a:endParaRPr lang="ru-BY" b="0" dirty="0">
+                        <a:ln>
+                          <a:noFill/>
+                        </a:ln>
+                        <a:solidFill>
+                          <a:schemeClr val="bg1">
+                            <a:lumMod val="50000"/>
+                          </a:schemeClr>
+                        </a:solidFill>
+                      </a:endParaRPr>
+                    </a:p>
+                  </a:txBody>
+                  <a:tcPr>
+                    <a:solidFill>
+                      <a:schemeClr val="tx1">
+                        <a:alpha val="8000"/>
+                      </a:schemeClr>
+                    </a:solidFill>
+                  </a:tcPr>
+                </a:tc>
+                <a:tc>
+                  <a:txBody>
+                    <a:bodyPr/>
+                    <a:lstStyle/>
+                    <a:p>
+                      <a:pPr algn="ctr"/>
+                      <a:r>
+                        <a:rPr lang="ru-BY" sz="1800" b="0" i="0" kern="1200" dirty="0">
+                          <a:solidFill>
+                            <a:schemeClr val="bg1">
+                              <a:lumMod val="50000"/>
+                            </a:schemeClr>
+                          </a:solidFill>
+                          <a:effectLst/>
+                          <a:latin typeface="+mn-lt"/>
+                          <a:ea typeface="+mn-ea"/>
+                          <a:cs typeface="+mn-cs"/>
+                        </a:rPr>
+                        <a:t>1000</a:t>
+                      </a:r>
+                      <a:endParaRPr lang="ru-BY" b="0" dirty="0">
+                        <a:ln>
+                          <a:noFill/>
+                        </a:ln>
+                        <a:solidFill>
+                          <a:schemeClr val="bg1">
+                            <a:lumMod val="50000"/>
+                          </a:schemeClr>
+                        </a:solidFill>
+                      </a:endParaRPr>
+                    </a:p>
+                  </a:txBody>
+                  <a:tcPr>
+                    <a:solidFill>
+                      <a:schemeClr val="tx1">
+                        <a:alpha val="8000"/>
+                      </a:schemeClr>
+                    </a:solidFill>
+                  </a:tcPr>
+                </a:tc>
+                <a:tc>
+                  <a:txBody>
+                    <a:bodyPr/>
+                    <a:lstStyle/>
+                    <a:p>
+                      <a:pPr marL="0" marR="0" lvl="0" indent="0" algn="ctr" defTabSz="457200" rtl="0" eaLnBrk="1" fontAlgn="auto" latinLnBrk="0" hangingPunct="1">
+                        <a:lnSpc>
+                          <a:spcPct val="100000"/>
+                        </a:lnSpc>
+                        <a:spcBef>
+                          <a:spcPts val="0"/>
+                        </a:spcBef>
+                        <a:spcAft>
+                          <a:spcPts val="0"/>
+                        </a:spcAft>
+                        <a:buClrTx/>
+                        <a:buSzTx/>
+                        <a:buFontTx/>
+                        <a:buNone/>
+                        <a:tabLst/>
+                        <a:defRPr/>
+                      </a:pPr>
+                      <a:r>
+                        <a:rPr lang="ru-BY" sz="1800" b="0" kern="1200" dirty="0">
+                          <a:solidFill>
+                            <a:schemeClr val="bg1">
+                              <a:lumMod val="50000"/>
+                            </a:schemeClr>
+                          </a:solidFill>
+                          <a:effectLst/>
+                          <a:latin typeface="+mn-lt"/>
+                          <a:ea typeface="+mn-ea"/>
+                          <a:cs typeface="+mn-cs"/>
+                        </a:rPr>
+                        <a:t>30+</a:t>
+                      </a:r>
+                    </a:p>
+                  </a:txBody>
+                  <a:tcPr>
+                    <a:solidFill>
+                      <a:schemeClr val="tx1">
+                        <a:alpha val="8000"/>
+                      </a:schemeClr>
+                    </a:solidFill>
+                  </a:tcPr>
+                </a:tc>
+                <a:extLst>
+                  <a:ext uri="{0D108BD9-81ED-4DB2-BD59-A6C34878D82A}">
+                    <a16:rowId xmlns:a16="http://schemas.microsoft.com/office/drawing/2014/main" val="2970111969"/>
+                  </a:ext>
+                </a:extLst>
+              </a:tr>
+              <a:tr h="1019942">
+                <a:tc>
+                  <a:txBody>
+                    <a:bodyPr/>
+                    <a:lstStyle/>
+                    <a:p>
+                      <a:r>
+                        <a:rPr lang="ru-RU" dirty="0">
+                          <a:ln>
+                            <a:noFill/>
+                          </a:ln>
+                          <a:solidFill>
+                            <a:schemeClr val="tx1">
+                              <a:lumMod val="65000"/>
+                              <a:lumOff val="35000"/>
+                            </a:schemeClr>
+                          </a:solidFill>
+                        </a:rPr>
+                        <a:t>Штат сотрудников</a:t>
+                      </a:r>
+                      <a:endParaRPr lang="ru-BY" dirty="0">
+                        <a:ln>
+                          <a:noFill/>
+                        </a:ln>
+                        <a:solidFill>
+                          <a:schemeClr val="tx1">
+                            <a:lumMod val="65000"/>
+                            <a:lumOff val="35000"/>
+                          </a:schemeClr>
+                        </a:solidFill>
+                      </a:endParaRPr>
+                    </a:p>
+                  </a:txBody>
+                  <a:tcPr>
+                    <a:solidFill>
+                      <a:schemeClr val="tx1">
+                        <a:alpha val="8000"/>
+                      </a:schemeClr>
+                    </a:solidFill>
+                  </a:tcPr>
+                </a:tc>
+                <a:tc>
+                  <a:txBody>
+                    <a:bodyPr/>
+                    <a:lstStyle/>
+                    <a:p>
+                      <a:pPr algn="ctr"/>
+                      <a:r>
+                        <a:rPr lang="ru-BY" sz="1800" b="0" i="0" kern="1200" dirty="0">
+                          <a:solidFill>
+                            <a:schemeClr val="bg1">
+                              <a:lumMod val="50000"/>
+                            </a:schemeClr>
+                          </a:solidFill>
+                          <a:effectLst/>
+                          <a:latin typeface="+mn-lt"/>
+                          <a:ea typeface="+mn-ea"/>
+                          <a:cs typeface="+mn-cs"/>
+                        </a:rPr>
+                        <a:t>2700</a:t>
+                      </a:r>
+                      <a:endParaRPr lang="ru-BY" b="0" dirty="0">
+                        <a:ln>
+                          <a:noFill/>
+                        </a:ln>
+                        <a:solidFill>
+                          <a:schemeClr val="bg1">
+                            <a:lumMod val="50000"/>
+                          </a:schemeClr>
+                        </a:solidFill>
+                      </a:endParaRPr>
+                    </a:p>
+                  </a:txBody>
+                  <a:tcPr>
+                    <a:solidFill>
+                      <a:schemeClr val="tx1">
+                        <a:alpha val="8000"/>
+                      </a:schemeClr>
+                    </a:solidFill>
+                  </a:tcPr>
+                </a:tc>
+                <a:tc>
+                  <a:txBody>
+                    <a:bodyPr/>
+                    <a:lstStyle/>
+                    <a:p>
+                      <a:pPr algn="ctr"/>
+                      <a:r>
+                        <a:rPr lang="ru-BY" sz="1800" b="0" i="0" kern="1200" dirty="0">
+                          <a:solidFill>
+                            <a:schemeClr val="bg1">
+                              <a:lumMod val="50000"/>
+                            </a:schemeClr>
+                          </a:solidFill>
+                          <a:effectLst/>
+                          <a:latin typeface="+mn-lt"/>
+                          <a:ea typeface="+mn-ea"/>
+                          <a:cs typeface="+mn-cs"/>
+                        </a:rPr>
+                        <a:t>58,8</a:t>
+                      </a:r>
+                      <a:r>
+                        <a:rPr lang="en-US" sz="1800" b="0" i="0" kern="1200" dirty="0">
+                          <a:solidFill>
+                            <a:schemeClr val="bg1">
+                              <a:lumMod val="50000"/>
+                            </a:schemeClr>
+                          </a:solidFill>
+                          <a:effectLst/>
+                          <a:latin typeface="+mn-lt"/>
+                          <a:ea typeface="+mn-ea"/>
+                          <a:cs typeface="+mn-cs"/>
+                        </a:rPr>
+                        <a:t> </a:t>
+                      </a:r>
+                      <a:r>
+                        <a:rPr lang="ru-RU" sz="1800" b="0" i="0" kern="1200" dirty="0">
+                          <a:solidFill>
+                            <a:schemeClr val="bg1">
+                              <a:lumMod val="50000"/>
+                            </a:schemeClr>
+                          </a:solidFill>
+                          <a:effectLst/>
+                          <a:latin typeface="+mn-lt"/>
+                          <a:ea typeface="+mn-ea"/>
+                          <a:cs typeface="+mn-cs"/>
+                        </a:rPr>
+                        <a:t>тыс.</a:t>
+                      </a:r>
+                      <a:endParaRPr lang="ru-BY" b="0" dirty="0">
+                        <a:ln>
+                          <a:noFill/>
+                        </a:ln>
+                        <a:solidFill>
+                          <a:schemeClr val="bg1">
+                            <a:lumMod val="50000"/>
+                          </a:schemeClr>
+                        </a:solidFill>
+                      </a:endParaRPr>
+                    </a:p>
+                  </a:txBody>
+                  <a:tcPr>
+                    <a:solidFill>
+                      <a:schemeClr val="tx1">
+                        <a:alpha val="8000"/>
+                      </a:schemeClr>
+                    </a:solidFill>
+                  </a:tcPr>
+                </a:tc>
+                <a:tc>
+                  <a:txBody>
+                    <a:bodyPr/>
+                    <a:lstStyle/>
+                    <a:p>
+                      <a:pPr algn="ctr"/>
+                      <a:r>
+                        <a:rPr lang="ru-BY" sz="1800" b="0" i="0" kern="1200" dirty="0">
+                          <a:solidFill>
+                            <a:schemeClr val="bg1">
+                              <a:lumMod val="50000"/>
+                            </a:schemeClr>
+                          </a:solidFill>
+                          <a:effectLst/>
+                          <a:latin typeface="+mn-lt"/>
+                          <a:ea typeface="+mn-ea"/>
+                          <a:cs typeface="+mn-cs"/>
+                        </a:rPr>
+                        <a:t>300</a:t>
+                      </a:r>
+                      <a:endParaRPr lang="ru-BY" b="0" dirty="0">
+                        <a:ln>
+                          <a:noFill/>
+                        </a:ln>
+                        <a:solidFill>
+                          <a:schemeClr val="bg1">
+                            <a:lumMod val="50000"/>
+                          </a:schemeClr>
+                        </a:solidFill>
+                      </a:endParaRPr>
+                    </a:p>
+                  </a:txBody>
+                  <a:tcPr>
+                    <a:solidFill>
+                      <a:schemeClr val="tx1">
+                        <a:alpha val="8000"/>
+                      </a:schemeClr>
+                    </a:solidFill>
+                  </a:tcPr>
+                </a:tc>
+                <a:tc>
+                  <a:txBody>
+                    <a:bodyPr/>
+                    <a:lstStyle/>
+                    <a:p>
+                      <a:pPr marL="0" marR="0" lvl="0" indent="0" algn="ctr" defTabSz="457200" rtl="0" eaLnBrk="1" fontAlgn="auto" latinLnBrk="0" hangingPunct="1">
+                        <a:lnSpc>
+                          <a:spcPct val="100000"/>
+                        </a:lnSpc>
+                        <a:spcBef>
+                          <a:spcPts val="0"/>
+                        </a:spcBef>
+                        <a:spcAft>
+                          <a:spcPts val="0"/>
+                        </a:spcAft>
+                        <a:buClrTx/>
+                        <a:buSzTx/>
+                        <a:buFontTx/>
+                        <a:buNone/>
+                        <a:tabLst/>
+                        <a:defRPr/>
+                      </a:pPr>
+                      <a:r>
+                        <a:rPr lang="ru-RU" sz="1800" b="0" kern="1200" dirty="0">
+                          <a:solidFill>
+                            <a:schemeClr val="bg1">
+                              <a:lumMod val="50000"/>
+                            </a:schemeClr>
+                          </a:solidFill>
+                          <a:effectLst/>
+                          <a:latin typeface="+mn-lt"/>
+                          <a:ea typeface="+mn-ea"/>
+                          <a:cs typeface="+mn-cs"/>
+                        </a:rPr>
+                        <a:t>130</a:t>
+                      </a:r>
+                      <a:endParaRPr lang="ru-BY" sz="1800" b="0" kern="1200" dirty="0">
+                        <a:solidFill>
+                          <a:schemeClr val="bg1">
+                            <a:lumMod val="50000"/>
+                          </a:schemeClr>
+                        </a:solidFill>
+                        <a:effectLst/>
+                        <a:latin typeface="+mn-lt"/>
+                        <a:ea typeface="+mn-ea"/>
+                        <a:cs typeface="+mn-cs"/>
+                      </a:endParaRPr>
+                    </a:p>
+                  </a:txBody>
+                  <a:tcPr>
+                    <a:solidFill>
+                      <a:schemeClr val="tx1">
+                        <a:alpha val="8000"/>
+                      </a:schemeClr>
+                    </a:solidFill>
+                  </a:tcPr>
+                </a:tc>
+                <a:extLst>
+                  <a:ext uri="{0D108BD9-81ED-4DB2-BD59-A6C34878D82A}">
+                    <a16:rowId xmlns:a16="http://schemas.microsoft.com/office/drawing/2014/main" val="3286501416"/>
+                  </a:ext>
+                </a:extLst>
+              </a:tr>
+              <a:tr h="1019942">
+                <a:tc>
+                  <a:txBody>
+                    <a:bodyPr/>
+                    <a:lstStyle/>
+                    <a:p>
+                      <a:r>
+                        <a:rPr lang="ru-RU" dirty="0">
+                          <a:ln>
+                            <a:noFill/>
+                          </a:ln>
+                          <a:solidFill>
+                            <a:schemeClr val="tx1">
+                              <a:lumMod val="65000"/>
+                              <a:lumOff val="35000"/>
+                            </a:schemeClr>
+                          </a:solidFill>
+                        </a:rPr>
+                        <a:t>Популярность (%)</a:t>
+                      </a:r>
+                      <a:endParaRPr lang="ru-BY" dirty="0">
+                        <a:ln>
+                          <a:noFill/>
+                        </a:ln>
+                        <a:solidFill>
+                          <a:schemeClr val="tx1">
+                            <a:lumMod val="65000"/>
+                            <a:lumOff val="35000"/>
+                          </a:schemeClr>
+                        </a:solidFill>
+                      </a:endParaRPr>
+                    </a:p>
+                  </a:txBody>
+                  <a:tcPr>
+                    <a:solidFill>
+                      <a:schemeClr val="tx1">
+                        <a:alpha val="8000"/>
+                      </a:schemeClr>
+                    </a:solidFill>
+                  </a:tcPr>
+                </a:tc>
+                <a:tc>
+                  <a:txBody>
+                    <a:bodyPr/>
+                    <a:lstStyle/>
+                    <a:p>
+                      <a:pPr algn="ctr"/>
+                      <a:r>
+                        <a:rPr lang="ru-RU" b="0" dirty="0">
+                          <a:ln>
+                            <a:noFill/>
+                          </a:ln>
+                          <a:solidFill>
+                            <a:schemeClr val="bg1">
+                              <a:lumMod val="50000"/>
+                            </a:schemeClr>
+                          </a:solidFill>
+                        </a:rPr>
+                        <a:t>80</a:t>
+                      </a:r>
+                      <a:endParaRPr lang="ru-BY" b="0" dirty="0">
+                        <a:ln>
+                          <a:noFill/>
+                        </a:ln>
+                        <a:solidFill>
+                          <a:schemeClr val="bg1">
+                            <a:lumMod val="50000"/>
+                          </a:schemeClr>
+                        </a:solidFill>
+                      </a:endParaRPr>
+                    </a:p>
+                  </a:txBody>
+                  <a:tcPr>
+                    <a:solidFill>
+                      <a:schemeClr val="tx1">
+                        <a:alpha val="8000"/>
+                      </a:schemeClr>
+                    </a:solidFill>
+                  </a:tcPr>
+                </a:tc>
+                <a:tc>
+                  <a:txBody>
+                    <a:bodyPr/>
+                    <a:lstStyle/>
+                    <a:p>
+                      <a:pPr algn="ctr"/>
+                      <a:r>
+                        <a:rPr lang="ru-RU" b="0" dirty="0">
+                          <a:ln>
+                            <a:noFill/>
+                          </a:ln>
+                          <a:solidFill>
+                            <a:schemeClr val="bg1">
+                              <a:lumMod val="50000"/>
+                            </a:schemeClr>
+                          </a:solidFill>
+                        </a:rPr>
+                        <a:t>100</a:t>
+                      </a:r>
+                      <a:endParaRPr lang="ru-BY" b="0" dirty="0">
+                        <a:ln>
+                          <a:noFill/>
+                        </a:ln>
+                        <a:solidFill>
+                          <a:schemeClr val="bg1">
+                            <a:lumMod val="50000"/>
+                          </a:schemeClr>
+                        </a:solidFill>
+                      </a:endParaRPr>
+                    </a:p>
+                  </a:txBody>
+                  <a:tcPr>
+                    <a:solidFill>
+                      <a:schemeClr val="tx1">
+                        <a:alpha val="8000"/>
+                      </a:schemeClr>
+                    </a:solidFill>
+                  </a:tcPr>
+                </a:tc>
+                <a:tc>
+                  <a:txBody>
+                    <a:bodyPr/>
+                    <a:lstStyle/>
+                    <a:p>
+                      <a:pPr algn="ctr"/>
+                      <a:r>
+                        <a:rPr lang="ru-RU" b="0" dirty="0">
+                          <a:ln>
+                            <a:noFill/>
+                          </a:ln>
+                          <a:solidFill>
+                            <a:schemeClr val="bg1">
+                              <a:lumMod val="50000"/>
+                            </a:schemeClr>
+                          </a:solidFill>
+                        </a:rPr>
+                        <a:t>70</a:t>
+                      </a:r>
+                      <a:endParaRPr lang="ru-BY" b="0" dirty="0">
+                        <a:ln>
+                          <a:noFill/>
+                        </a:ln>
+                        <a:solidFill>
+                          <a:schemeClr val="bg1">
+                            <a:lumMod val="50000"/>
+                          </a:schemeClr>
+                        </a:solidFill>
+                      </a:endParaRPr>
+                    </a:p>
+                  </a:txBody>
+                  <a:tcPr>
+                    <a:solidFill>
+                      <a:schemeClr val="tx1">
+                        <a:alpha val="8000"/>
+                      </a:schemeClr>
+                    </a:solidFill>
+                  </a:tcPr>
+                </a:tc>
+                <a:tc>
+                  <a:txBody>
+                    <a:bodyPr/>
+                    <a:lstStyle/>
+                    <a:p>
+                      <a:pPr algn="ctr"/>
+                      <a:r>
+                        <a:rPr lang="ru-RU" b="0" dirty="0">
+                          <a:ln>
+                            <a:noFill/>
+                          </a:ln>
+                          <a:solidFill>
+                            <a:schemeClr val="bg1">
+                              <a:lumMod val="50000"/>
+                            </a:schemeClr>
+                          </a:solidFill>
+                        </a:rPr>
+                        <a:t>70</a:t>
+                      </a:r>
+                      <a:endParaRPr lang="ru-BY" b="0" dirty="0">
+                        <a:ln>
+                          <a:noFill/>
+                        </a:ln>
+                        <a:solidFill>
+                          <a:schemeClr val="bg1">
+                            <a:lumMod val="50000"/>
+                          </a:schemeClr>
+                        </a:solidFill>
+                      </a:endParaRPr>
+                    </a:p>
+                  </a:txBody>
+                  <a:tcPr>
+                    <a:solidFill>
+                      <a:schemeClr val="tx1">
+                        <a:alpha val="8000"/>
+                      </a:schemeClr>
+                    </a:solidFill>
+                  </a:tcPr>
+                </a:tc>
+                <a:extLst>
+                  <a:ext uri="{0D108BD9-81ED-4DB2-BD59-A6C34878D82A}">
+                    <a16:rowId xmlns:a16="http://schemas.microsoft.com/office/drawing/2014/main" val="1311863699"/>
+                  </a:ext>
+                </a:extLst>
+              </a:tr>
+            </a:tbl>
+          </a:graphicData>
+        </a:graphic>
+      </p:graphicFrame>
     </p:spTree>
     <p:extLst>
       <p:ext uri="{BB962C8B-B14F-4D97-AF65-F5344CB8AC3E}">
-        <p14:creationId xmlns:p14="http://schemas.microsoft.com/office/powerpoint/2010/main" val="102647906"/>
+        <p14:creationId xmlns:p14="http://schemas.microsoft.com/office/powerpoint/2010/main" val="2091096465"/>
       </p:ext>
     </p:extLst>
   </p:cSld>
@@ -9211,6 +10496,397 @@
 <file path=ppt/slides/slide7.xml><?xml version="1.0" encoding="utf-8"?>
 <p:sld xmlns:a="http://schemas.openxmlformats.org/drawingml/2006/main" xmlns:r="http://schemas.openxmlformats.org/officeDocument/2006/relationships" xmlns:p="http://schemas.openxmlformats.org/presentationml/2006/main">
   <p:cSld>
+    <p:bg>
+      <p:bgPr>
+        <a:solidFill>
+          <a:schemeClr val="bg1">
+            <a:lumMod val="95000"/>
+          </a:schemeClr>
+        </a:solidFill>
+        <a:effectLst/>
+      </p:bgPr>
+    </p:bg>
+    <p:spTree>
+      <p:nvGrpSpPr>
+        <p:cNvPr id="1" name=""/>
+        <p:cNvGrpSpPr/>
+        <p:nvPr/>
+      </p:nvGrpSpPr>
+      <p:grpSpPr>
+        <a:xfrm>
+          <a:off x="0" y="0"/>
+          <a:ext cx="0" cy="0"/>
+          <a:chOff x="0" y="0"/>
+          <a:chExt cx="0" cy="0"/>
+        </a:xfrm>
+      </p:grpSpPr>
+      <p:sp>
+        <p:nvSpPr>
+          <p:cNvPr id="5" name="Заголовок 1">
+            <a:extLst>
+              <a:ext uri="{FF2B5EF4-FFF2-40B4-BE49-F238E27FC236}">
+                <a16:creationId xmlns:a16="http://schemas.microsoft.com/office/drawing/2014/main" id="{CEB86E35-4B5B-4D47-95E4-33149088168D}"/>
+              </a:ext>
+            </a:extLst>
+          </p:cNvPr>
+          <p:cNvSpPr>
+            <a:spLocks noGrp="1"/>
+          </p:cNvSpPr>
+          <p:nvPr>
+            <p:ph type="title"/>
+          </p:nvPr>
+        </p:nvSpPr>
+        <p:spPr>
+          <a:xfrm>
+            <a:off x="734388" y="506936"/>
+            <a:ext cx="9332977" cy="631604"/>
+          </a:xfrm>
+        </p:spPr>
+        <p:txBody>
+          <a:bodyPr/>
+          <a:lstStyle/>
+          <a:p>
+            <a:r>
+              <a:rPr lang="ru-RU" b="1" dirty="0">
+                <a:solidFill>
+                  <a:schemeClr val="accent1"/>
+                </a:solidFill>
+                <a:latin typeface="Arial Black" panose="020B0A04020102020204" pitchFamily="34" charset="0"/>
+              </a:rPr>
+              <a:t>Стратегия </a:t>
+            </a:r>
+            <a:r>
+              <a:rPr lang="ru-RU" b="1" dirty="0">
+                <a:latin typeface="Arial Black" panose="020B0A04020102020204" pitchFamily="34" charset="0"/>
+              </a:rPr>
+              <a:t>позиционирования</a:t>
+            </a:r>
+            <a:endParaRPr lang="ru-RU" b="1" dirty="0"/>
+          </a:p>
+        </p:txBody>
+      </p:sp>
+      <p:sp>
+        <p:nvSpPr>
+          <p:cNvPr id="7" name="TextBox 6">
+            <a:extLst>
+              <a:ext uri="{FF2B5EF4-FFF2-40B4-BE49-F238E27FC236}">
+                <a16:creationId xmlns:a16="http://schemas.microsoft.com/office/drawing/2014/main" id="{5B48DE54-3DA3-42CE-8671-40F5CC146020}"/>
+              </a:ext>
+            </a:extLst>
+          </p:cNvPr>
+          <p:cNvSpPr txBox="1"/>
+          <p:nvPr/>
+        </p:nvSpPr>
+        <p:spPr>
+          <a:xfrm>
+            <a:off x="868858" y="1824977"/>
+            <a:ext cx="6096000" cy="1477328"/>
+          </a:xfrm>
+          <a:prstGeom prst="rect">
+            <a:avLst/>
+          </a:prstGeom>
+          <a:noFill/>
+        </p:spPr>
+        <p:txBody>
+          <a:bodyPr wrap="square">
+            <a:spAutoFit/>
+          </a:bodyPr>
+          <a:lstStyle/>
+          <a:p>
+            <a:pPr marL="0" indent="0">
+              <a:buNone/>
+            </a:pPr>
+            <a:endParaRPr lang="ru-RU" sz="1800" dirty="0"/>
+          </a:p>
+          <a:p>
+            <a:pPr>
+              <a:buClr>
+                <a:schemeClr val="tx1"/>
+              </a:buClr>
+              <a:buFont typeface="Wingdings" panose="05000000000000000000" pitchFamily="2" charset="2"/>
+              <a:buChar char="§"/>
+            </a:pPr>
+            <a:r>
+              <a:rPr lang="ru-RU" sz="1800" dirty="0"/>
+              <a:t>  Реклама продуктов и решений</a:t>
+            </a:r>
+          </a:p>
+          <a:p>
+            <a:pPr>
+              <a:buClr>
+                <a:schemeClr val="tx1"/>
+              </a:buClr>
+              <a:buFont typeface="Wingdings" panose="05000000000000000000" pitchFamily="2" charset="2"/>
+              <a:buChar char="§"/>
+            </a:pPr>
+            <a:endParaRPr lang="ru-RU" sz="1800" dirty="0"/>
+          </a:p>
+          <a:p>
+            <a:pPr>
+              <a:buClr>
+                <a:schemeClr val="tx1"/>
+              </a:buClr>
+              <a:buFont typeface="Wingdings" panose="05000000000000000000" pitchFamily="2" charset="2"/>
+              <a:buChar char="§"/>
+            </a:pPr>
+            <a:r>
+              <a:rPr lang="ru-RU" dirty="0"/>
+              <a:t>  Разработка сайтов под разными доменами</a:t>
+            </a:r>
+          </a:p>
+          <a:p>
+            <a:pPr>
+              <a:buClr>
+                <a:schemeClr val="tx1"/>
+              </a:buClr>
+              <a:buFont typeface="Wingdings" panose="05000000000000000000" pitchFamily="2" charset="2"/>
+              <a:buChar char="§"/>
+            </a:pPr>
+            <a:endParaRPr lang="ru-RU" sz="1800" dirty="0"/>
+          </a:p>
+        </p:txBody>
+      </p:sp>
+      <p:pic>
+        <p:nvPicPr>
+          <p:cNvPr id="1032" name="Picture 8">
+            <a:extLst>
+              <a:ext uri="{FF2B5EF4-FFF2-40B4-BE49-F238E27FC236}">
+                <a16:creationId xmlns:a16="http://schemas.microsoft.com/office/drawing/2014/main" id="{EFF9C010-FEF5-468A-87A9-DEA2472AFF9F}"/>
+              </a:ext>
+            </a:extLst>
+          </p:cNvPr>
+          <p:cNvPicPr>
+            <a:picLocks noChangeAspect="1" noChangeArrowheads="1"/>
+          </p:cNvPicPr>
+          <p:nvPr/>
+        </p:nvPicPr>
+        <p:blipFill>
+          <a:blip r:embed="rId2" cstate="print">
+            <a:extLst>
+              <a:ext uri="{28A0092B-C50C-407E-A947-70E740481C1C}">
+                <a14:useLocalDpi xmlns:a14="http://schemas.microsoft.com/office/drawing/2010/main" val="0"/>
+              </a:ext>
+            </a:extLst>
+          </a:blip>
+          <a:srcRect/>
+          <a:stretch>
+            <a:fillRect/>
+          </a:stretch>
+        </p:blipFill>
+        <p:spPr bwMode="auto">
+          <a:xfrm>
+            <a:off x="0" y="3092825"/>
+            <a:ext cx="12192000" cy="3765175"/>
+          </a:xfrm>
+          <a:prstGeom prst="rect">
+            <a:avLst/>
+          </a:prstGeom>
+          <a:noFill/>
+          <a:extLst>
+            <a:ext uri="{909E8E84-426E-40DD-AFC4-6F175D3DCCD1}">
+              <a14:hiddenFill xmlns:a14="http://schemas.microsoft.com/office/drawing/2010/main">
+                <a:solidFill>
+                  <a:srgbClr val="FFFFFF"/>
+                </a:solidFill>
+              </a14:hiddenFill>
+            </a:ext>
+          </a:extLst>
+        </p:spPr>
+      </p:pic>
+      <p:sp>
+        <p:nvSpPr>
+          <p:cNvPr id="17" name="TextBox 16">
+            <a:extLst>
+              <a:ext uri="{FF2B5EF4-FFF2-40B4-BE49-F238E27FC236}">
+                <a16:creationId xmlns:a16="http://schemas.microsoft.com/office/drawing/2014/main" id="{A76CD150-711C-4B9C-945D-D609097101DF}"/>
+              </a:ext>
+            </a:extLst>
+          </p:cNvPr>
+          <p:cNvSpPr txBox="1"/>
+          <p:nvPr/>
+        </p:nvSpPr>
+        <p:spPr>
+          <a:xfrm>
+            <a:off x="868858" y="3225265"/>
+            <a:ext cx="6158752" cy="2031325"/>
+          </a:xfrm>
+          <a:prstGeom prst="rect">
+            <a:avLst/>
+          </a:prstGeom>
+          <a:noFill/>
+        </p:spPr>
+        <p:txBody>
+          <a:bodyPr wrap="square">
+            <a:spAutoFit/>
+          </a:bodyPr>
+          <a:lstStyle/>
+          <a:p>
+            <a:pPr marL="285750" indent="-285750">
+              <a:buClr>
+                <a:schemeClr val="bg1"/>
+              </a:buClr>
+              <a:buFont typeface="Wingdings" panose="05000000000000000000" pitchFamily="2" charset="2"/>
+              <a:buChar char="§"/>
+            </a:pPr>
+            <a:r>
+              <a:rPr lang="ru-RU" sz="1800" dirty="0">
+                <a:solidFill>
+                  <a:schemeClr val="bg1"/>
+                </a:solidFill>
+              </a:rPr>
+              <a:t>Реклама самой компании</a:t>
+            </a:r>
+            <a:endParaRPr lang="en-US" sz="1800" dirty="0">
+              <a:solidFill>
+                <a:schemeClr val="bg1"/>
+              </a:solidFill>
+            </a:endParaRPr>
+          </a:p>
+          <a:p>
+            <a:pPr marL="285750" indent="-285750">
+              <a:buClr>
+                <a:schemeClr val="bg1"/>
+              </a:buClr>
+              <a:buFont typeface="Wingdings" panose="05000000000000000000" pitchFamily="2" charset="2"/>
+              <a:buChar char="§"/>
+            </a:pPr>
+            <a:endParaRPr lang="en-US" sz="1800" dirty="0">
+              <a:solidFill>
+                <a:schemeClr val="bg1"/>
+              </a:solidFill>
+            </a:endParaRPr>
+          </a:p>
+          <a:p>
+            <a:pPr marL="285750" indent="-285750">
+              <a:buClr>
+                <a:schemeClr val="bg1"/>
+              </a:buClr>
+              <a:buFont typeface="Wingdings" panose="05000000000000000000" pitchFamily="2" charset="2"/>
+              <a:buChar char="§"/>
+            </a:pPr>
+            <a:r>
+              <a:rPr lang="ru-RU" dirty="0">
+                <a:solidFill>
+                  <a:schemeClr val="bg1"/>
+                </a:solidFill>
+              </a:rPr>
+              <a:t>Расширение предлагаемых услуг</a:t>
+            </a:r>
+            <a:endParaRPr lang="ru-RU" sz="1800" dirty="0">
+              <a:solidFill>
+                <a:schemeClr val="bg1"/>
+              </a:solidFill>
+            </a:endParaRPr>
+          </a:p>
+          <a:p>
+            <a:pPr marL="285750" indent="-285750">
+              <a:buClr>
+                <a:schemeClr val="bg1"/>
+              </a:buClr>
+              <a:buFont typeface="Wingdings" panose="05000000000000000000" pitchFamily="2" charset="2"/>
+              <a:buChar char="§"/>
+            </a:pPr>
+            <a:endParaRPr lang="ru-RU" sz="1800" dirty="0">
+              <a:solidFill>
+                <a:schemeClr val="bg1"/>
+              </a:solidFill>
+            </a:endParaRPr>
+          </a:p>
+          <a:p>
+            <a:pPr marL="285750" indent="-285750">
+              <a:buClr>
+                <a:schemeClr val="bg1"/>
+              </a:buClr>
+              <a:buFont typeface="Wingdings" panose="05000000000000000000" pitchFamily="2" charset="2"/>
+              <a:buChar char="§"/>
+            </a:pPr>
+            <a:r>
+              <a:rPr lang="ru-RU" sz="1800" dirty="0">
+                <a:solidFill>
+                  <a:schemeClr val="bg1"/>
+                </a:solidFill>
+              </a:rPr>
+              <a:t>Привлечение </a:t>
+            </a:r>
+            <a:r>
+              <a:rPr lang="ru-RU" dirty="0">
+                <a:solidFill>
+                  <a:schemeClr val="bg1"/>
+                </a:solidFill>
+              </a:rPr>
+              <a:t>новых работников</a:t>
+            </a:r>
+          </a:p>
+          <a:p>
+            <a:pPr marL="285750" indent="-285750">
+              <a:buClr>
+                <a:schemeClr val="bg1"/>
+              </a:buClr>
+              <a:buFont typeface="Wingdings" panose="05000000000000000000" pitchFamily="2" charset="2"/>
+              <a:buChar char="§"/>
+            </a:pPr>
+            <a:endParaRPr lang="ru-RU" sz="1800" dirty="0">
+              <a:solidFill>
+                <a:schemeClr val="bg1"/>
+              </a:solidFill>
+            </a:endParaRPr>
+          </a:p>
+          <a:p>
+            <a:pPr marL="285750" indent="-285750">
+              <a:buClr>
+                <a:schemeClr val="bg1"/>
+              </a:buClr>
+              <a:buFont typeface="Wingdings" panose="05000000000000000000" pitchFamily="2" charset="2"/>
+              <a:buChar char="§"/>
+            </a:pPr>
+            <a:r>
+              <a:rPr lang="ru-RU" sz="1800" dirty="0">
+                <a:solidFill>
+                  <a:schemeClr val="bg1"/>
+                </a:solidFill>
+              </a:rPr>
+              <a:t>Участие в событиях, посвященных </a:t>
+            </a:r>
+            <a:r>
+              <a:rPr lang="en-US" dirty="0">
+                <a:solidFill>
+                  <a:schemeClr val="bg1"/>
+                </a:solidFill>
+              </a:rPr>
+              <a:t>IT </a:t>
+            </a:r>
+            <a:r>
+              <a:rPr lang="ru-RU" dirty="0">
+                <a:solidFill>
+                  <a:schemeClr val="bg1"/>
+                </a:solidFill>
+              </a:rPr>
+              <a:t>технологиям</a:t>
+            </a:r>
+            <a:endParaRPr lang="ru-RU" sz="1800" dirty="0">
+              <a:solidFill>
+                <a:schemeClr val="bg1"/>
+              </a:solidFill>
+            </a:endParaRPr>
+          </a:p>
+        </p:txBody>
+      </p:sp>
+    </p:spTree>
+    <p:extLst>
+      <p:ext uri="{BB962C8B-B14F-4D97-AF65-F5344CB8AC3E}">
+        <p14:creationId xmlns:p14="http://schemas.microsoft.com/office/powerpoint/2010/main" val="1827300224"/>
+      </p:ext>
+    </p:extLst>
+  </p:cSld>
+  <p:clrMapOvr>
+    <a:masterClrMapping/>
+  </p:clrMapOvr>
+</p:sld>
+</file>
+
+<file path=ppt/slides/slide8.xml><?xml version="1.0" encoding="utf-8"?>
+<p:sld xmlns:a="http://schemas.openxmlformats.org/drawingml/2006/main" xmlns:r="http://schemas.openxmlformats.org/officeDocument/2006/relationships" xmlns:p="http://schemas.openxmlformats.org/presentationml/2006/main">
+  <p:cSld>
     <p:spTree>
       <p:nvGrpSpPr>
         <p:cNvPr id="1" name=""/>
@@ -9394,6 +11070,181 @@
     <p:extLst>
       <p:ext uri="{BB962C8B-B14F-4D97-AF65-F5344CB8AC3E}">
         <p14:creationId xmlns:p14="http://schemas.microsoft.com/office/powerpoint/2010/main" val="384846516"/>
+      </p:ext>
+    </p:extLst>
+  </p:cSld>
+  <p:clrMapOvr>
+    <a:masterClrMapping/>
+  </p:clrMapOvr>
+</p:sld>
+</file>
+
+<file path=ppt/slides/slide9.xml><?xml version="1.0" encoding="utf-8"?>
+<p:sld xmlns:a="http://schemas.openxmlformats.org/drawingml/2006/main" xmlns:r="http://schemas.openxmlformats.org/officeDocument/2006/relationships" xmlns:p="http://schemas.openxmlformats.org/presentationml/2006/main">
+  <p:cSld>
+    <p:spTree>
+      <p:nvGrpSpPr>
+        <p:cNvPr id="1" name=""/>
+        <p:cNvGrpSpPr/>
+        <p:nvPr/>
+      </p:nvGrpSpPr>
+      <p:grpSpPr>
+        <a:xfrm>
+          <a:off x="0" y="0"/>
+          <a:ext cx="0" cy="0"/>
+          <a:chOff x="0" y="0"/>
+          <a:chExt cx="0" cy="0"/>
+        </a:xfrm>
+      </p:grpSpPr>
+      <p:pic>
+        <p:nvPicPr>
+          <p:cNvPr id="2050" name="Picture 2">
+            <a:extLst>
+              <a:ext uri="{FF2B5EF4-FFF2-40B4-BE49-F238E27FC236}">
+                <a16:creationId xmlns:a16="http://schemas.microsoft.com/office/drawing/2014/main" id="{324170A9-AB6C-41AF-89CF-8C1520AF4489}"/>
+              </a:ext>
+            </a:extLst>
+          </p:cNvPr>
+          <p:cNvPicPr>
+            <a:picLocks noChangeAspect="1" noChangeArrowheads="1"/>
+          </p:cNvPicPr>
+          <p:nvPr/>
+        </p:nvPicPr>
+        <p:blipFill>
+          <a:blip r:embed="rId2">
+            <a:extLst>
+              <a:ext uri="{BEBA8EAE-BF5A-486C-A8C5-ECC9F3942E4B}">
+                <a14:imgProps xmlns:a14="http://schemas.microsoft.com/office/drawing/2010/main">
+                  <a14:imgLayer r:embed="rId3">
+                    <a14:imgEffect>
+                      <a14:brightnessContrast bright="-39000"/>
+                    </a14:imgEffect>
+                  </a14:imgLayer>
+                </a14:imgProps>
+              </a:ext>
+              <a:ext uri="{28A0092B-C50C-407E-A947-70E740481C1C}">
+                <a14:useLocalDpi xmlns:a14="http://schemas.microsoft.com/office/drawing/2010/main" val="0"/>
+              </a:ext>
+            </a:extLst>
+          </a:blip>
+          <a:srcRect/>
+          <a:stretch>
+            <a:fillRect/>
+          </a:stretch>
+        </p:blipFill>
+        <p:spPr bwMode="auto">
+          <a:xfrm>
+            <a:off x="0" y="0"/>
+            <a:ext cx="12192000" cy="6858000"/>
+          </a:xfrm>
+          <a:prstGeom prst="rect">
+            <a:avLst/>
+          </a:prstGeom>
+          <a:gradFill>
+            <a:gsLst>
+              <a:gs pos="0">
+                <a:schemeClr val="accent1">
+                  <a:lumMod val="5000"/>
+                  <a:lumOff val="95000"/>
+                </a:schemeClr>
+              </a:gs>
+              <a:gs pos="74000">
+                <a:schemeClr val="accent1">
+                  <a:lumMod val="45000"/>
+                  <a:lumOff val="55000"/>
+                </a:schemeClr>
+              </a:gs>
+              <a:gs pos="83000">
+                <a:schemeClr val="accent1">
+                  <a:lumMod val="45000"/>
+                  <a:lumOff val="55000"/>
+                </a:schemeClr>
+              </a:gs>
+              <a:gs pos="100000">
+                <a:schemeClr val="accent1">
+                  <a:lumMod val="30000"/>
+                  <a:lumOff val="70000"/>
+                </a:schemeClr>
+              </a:gs>
+            </a:gsLst>
+            <a:lin ang="5400000" scaled="1"/>
+          </a:gradFill>
+          <a:effectLst>
+            <a:outerShdw dist="50800" dir="5400000" algn="ctr" rotWithShape="0">
+              <a:srgbClr val="000000">
+                <a:alpha val="43137"/>
+              </a:srgbClr>
+            </a:outerShdw>
+          </a:effectLst>
+        </p:spPr>
+      </p:pic>
+      <p:sp>
+        <p:nvSpPr>
+          <p:cNvPr id="6" name="TextBox 5">
+            <a:extLst>
+              <a:ext uri="{FF2B5EF4-FFF2-40B4-BE49-F238E27FC236}">
+                <a16:creationId xmlns:a16="http://schemas.microsoft.com/office/drawing/2014/main" id="{E980A9E9-95B7-45D1-8040-CEC8B2FD79AF}"/>
+              </a:ext>
+            </a:extLst>
+          </p:cNvPr>
+          <p:cNvSpPr txBox="1"/>
+          <p:nvPr/>
+        </p:nvSpPr>
+        <p:spPr>
+          <a:xfrm>
+            <a:off x="1402976" y="2921168"/>
+            <a:ext cx="9386047" cy="1015663"/>
+          </a:xfrm>
+          <a:prstGeom prst="rect">
+            <a:avLst/>
+          </a:prstGeom>
+          <a:noFill/>
+        </p:spPr>
+        <p:txBody>
+          <a:bodyPr wrap="square">
+            <a:spAutoFit/>
+          </a:bodyPr>
+          <a:lstStyle/>
+          <a:p>
+            <a:pPr marL="0" indent="0" algn="ctr">
+              <a:buNone/>
+            </a:pPr>
+            <a:r>
+              <a:rPr lang="en-US" sz="6000" b="1" dirty="0">
+                <a:solidFill>
+                  <a:schemeClr val="bg1"/>
+                </a:solidFill>
+              </a:rPr>
+              <a:t>Thank</a:t>
+            </a:r>
+            <a:r>
+              <a:rPr lang="ru-RU" sz="6000" b="1" dirty="0">
+                <a:solidFill>
+                  <a:schemeClr val="bg1"/>
+                </a:solidFill>
+              </a:rPr>
+              <a:t> </a:t>
+            </a:r>
+            <a:r>
+              <a:rPr lang="en-US" sz="6000" b="1" dirty="0">
+                <a:solidFill>
+                  <a:schemeClr val="bg1"/>
+                </a:solidFill>
+              </a:rPr>
+              <a:t>you for watching</a:t>
+            </a:r>
+            <a:endParaRPr lang="ru-BY" sz="6000" b="1" dirty="0">
+              <a:solidFill>
+                <a:schemeClr val="bg1"/>
+              </a:solidFill>
+            </a:endParaRPr>
+          </a:p>
+        </p:txBody>
+      </p:sp>
+    </p:spTree>
+    <p:extLst>
+      <p:ext uri="{BB962C8B-B14F-4D97-AF65-F5344CB8AC3E}">
+        <p14:creationId xmlns:p14="http://schemas.microsoft.com/office/powerpoint/2010/main" val="3042464483"/>
       </p:ext>
     </p:extLst>
   </p:cSld>
